--- a/poster/Poster_Jeeban.pptx
+++ b/poster/Poster_Jeeban.pptx
@@ -109,7 +109,7 @@
   </p:defaultTextStyle>
   <p:extLst>
     <p:ext uri="{EFAFB233-063F-42B5-8137-9DF3F51BA10A}">
-      <p15:sldGuideLst xmlns:p15="http://schemas.microsoft.com/office/powerpoint/2012/main">
+      <p15:sldGuideLst xmlns:p15="http://schemas.microsoft.com/office/powerpoint/2012/main" xmlns="">
         <p15:guide id="1" orient="horz" pos="13248">
           <p15:clr>
             <a:srgbClr val="A4A3A4"/>
@@ -208,7 +208,7 @@
           <a:p>
             <a:fld id="{A73B0FE6-8D6C-4EF3-81D4-A0530772883F}" type="datetimeFigureOut">
               <a:rPr lang="en-US" smtClean="0"/>
-              <a:t>5/10/2018</a:t>
+              <a:t>05/12/2018</a:t>
             </a:fld>
             <a:endParaRPr lang="en-US"/>
           </a:p>
@@ -742,7 +742,7 @@
             <a:fld id="{1D8BD707-D9CF-40AE-B4C6-C98DA3205C09}" type="datetimeFigureOut">
               <a:rPr lang="en-US" smtClean="0"/>
               <a:pPr/>
-              <a:t>5/10/2018</a:t>
+              <a:t>05/12/2018</a:t>
             </a:fld>
             <a:endParaRPr lang="en-US"/>
           </a:p>
@@ -909,7 +909,7 @@
             <a:fld id="{1D8BD707-D9CF-40AE-B4C6-C98DA3205C09}" type="datetimeFigureOut">
               <a:rPr lang="en-US" smtClean="0"/>
               <a:pPr/>
-              <a:t>5/10/2018</a:t>
+              <a:t>05/12/2018</a:t>
             </a:fld>
             <a:endParaRPr lang="en-US"/>
           </a:p>
@@ -1086,7 +1086,7 @@
             <a:fld id="{1D8BD707-D9CF-40AE-B4C6-C98DA3205C09}" type="datetimeFigureOut">
               <a:rPr lang="en-US" smtClean="0"/>
               <a:pPr/>
-              <a:t>5/10/2018</a:t>
+              <a:t>05/12/2018</a:t>
             </a:fld>
             <a:endParaRPr lang="en-US"/>
           </a:p>
@@ -1253,7 +1253,7 @@
             <a:fld id="{1D8BD707-D9CF-40AE-B4C6-C98DA3205C09}" type="datetimeFigureOut">
               <a:rPr lang="en-US" smtClean="0"/>
               <a:pPr/>
-              <a:t>5/10/2018</a:t>
+              <a:t>05/12/2018</a:t>
             </a:fld>
             <a:endParaRPr lang="en-US"/>
           </a:p>
@@ -1496,7 +1496,7 @@
             <a:fld id="{1D8BD707-D9CF-40AE-B4C6-C98DA3205C09}" type="datetimeFigureOut">
               <a:rPr lang="en-US" smtClean="0"/>
               <a:pPr/>
-              <a:t>5/10/2018</a:t>
+              <a:t>05/12/2018</a:t>
             </a:fld>
             <a:endParaRPr lang="en-US"/>
           </a:p>
@@ -1781,7 +1781,7 @@
             <a:fld id="{1D8BD707-D9CF-40AE-B4C6-C98DA3205C09}" type="datetimeFigureOut">
               <a:rPr lang="en-US" smtClean="0"/>
               <a:pPr/>
-              <a:t>5/10/2018</a:t>
+              <a:t>05/12/2018</a:t>
             </a:fld>
             <a:endParaRPr lang="en-US"/>
           </a:p>
@@ -2200,7 +2200,7 @@
             <a:fld id="{1D8BD707-D9CF-40AE-B4C6-C98DA3205C09}" type="datetimeFigureOut">
               <a:rPr lang="en-US" smtClean="0"/>
               <a:pPr/>
-              <a:t>5/10/2018</a:t>
+              <a:t>05/12/2018</a:t>
             </a:fld>
             <a:endParaRPr lang="en-US"/>
           </a:p>
@@ -2315,7 +2315,7 @@
             <a:fld id="{1D8BD707-D9CF-40AE-B4C6-C98DA3205C09}" type="datetimeFigureOut">
               <a:rPr lang="en-US" smtClean="0"/>
               <a:pPr/>
-              <a:t>5/10/2018</a:t>
+              <a:t>05/12/2018</a:t>
             </a:fld>
             <a:endParaRPr lang="en-US"/>
           </a:p>
@@ -2407,7 +2407,7 @@
             <a:fld id="{1D8BD707-D9CF-40AE-B4C6-C98DA3205C09}" type="datetimeFigureOut">
               <a:rPr lang="en-US" smtClean="0"/>
               <a:pPr/>
-              <a:t>5/10/2018</a:t>
+              <a:t>05/12/2018</a:t>
             </a:fld>
             <a:endParaRPr lang="en-US"/>
           </a:p>
@@ -2681,7 +2681,7 @@
             <a:fld id="{1D8BD707-D9CF-40AE-B4C6-C98DA3205C09}" type="datetimeFigureOut">
               <a:rPr lang="en-US" smtClean="0"/>
               <a:pPr/>
-              <a:t>5/10/2018</a:t>
+              <a:t>05/12/2018</a:t>
             </a:fld>
             <a:endParaRPr lang="en-US"/>
           </a:p>
@@ -2931,7 +2931,7 @@
             <a:fld id="{1D8BD707-D9CF-40AE-B4C6-C98DA3205C09}" type="datetimeFigureOut">
               <a:rPr lang="en-US" smtClean="0"/>
               <a:pPr/>
-              <a:t>5/10/2018</a:t>
+              <a:t>05/12/2018</a:t>
             </a:fld>
             <a:endParaRPr lang="en-US"/>
           </a:p>
@@ -3141,7 +3141,7 @@
             <a:fld id="{1D8BD707-D9CF-40AE-B4C6-C98DA3205C09}" type="datetimeFigureOut">
               <a:rPr lang="en-US" smtClean="0"/>
               <a:pPr/>
-              <a:t>5/10/2018</a:t>
+              <a:t>05/12/2018</a:t>
             </a:fld>
             <a:endParaRPr lang="en-US"/>
           </a:p>
@@ -3667,14 +3667,7 @@
                 <a:latin typeface="Times New Roman"/>
                 <a:ea typeface="ＭＳ Ｐゴシック"/>
               </a:rPr>
-              <a:t>University of Rhode Island, Department of </a:t>
-            </a:r>
-            <a:r>
-              <a:rPr lang="en-US" sz="3000" dirty="0" smtClean="0">
-                <a:latin typeface="Times New Roman"/>
-                <a:ea typeface="ＭＳ Ｐゴシック"/>
-              </a:rPr>
-              <a:t>Geosciences</a:t>
+              <a:t>University of Rhode Island, Department of Geosciences</a:t>
             </a:r>
           </a:p>
           <a:p>
@@ -4292,35 +4285,8 @@
                 <a:latin typeface="Arial"/>
                 <a:ea typeface="ＭＳ Ｐゴシック"/>
               </a:rPr>
-              <a:t>Figure </a:t>
-            </a:r>
-            <a:r>
-              <a:rPr lang="en-US" sz="2400" b="1" dirty="0" smtClean="0">
-                <a:solidFill>
-                  <a:srgbClr val="000000"/>
-                </a:solidFill>
-                <a:latin typeface="Arial"/>
-                <a:ea typeface="ＭＳ Ｐゴシック"/>
-              </a:rPr>
-              <a:t>1: Map showing the Charlestown in Rhode </a:t>
-            </a:r>
-            <a:r>
-              <a:rPr lang="en-US" sz="2400" b="1" dirty="0" smtClean="0">
-                <a:solidFill>
-                  <a:srgbClr val="000000"/>
-                </a:solidFill>
-                <a:latin typeface="Arial"/>
-                <a:ea typeface="ＭＳ Ｐゴシック"/>
-              </a:rPr>
-              <a:t>Island. Blue circles are sampling sites</a:t>
-            </a:r>
-            <a:endParaRPr lang="en-US" sz="2400" b="1" dirty="0" smtClean="0">
-              <a:solidFill>
-                <a:srgbClr val="000000"/>
-              </a:solidFill>
-              <a:latin typeface="Arial"/>
-              <a:ea typeface="ＭＳ Ｐゴシック"/>
-            </a:endParaRPr>
+              <a:t>Figure 1: Map showing the Charlestown in Rhode Island. Blue circles are sampling sites</a:t>
+            </a:r>
           </a:p>
           <a:p>
             <a:pPr algn="just">
@@ -4615,19 +4581,8 @@
                 <a:latin typeface="Arial" pitchFamily="34" charset="0"/>
                 <a:cs typeface="Arial" pitchFamily="34" charset="0"/>
               </a:rPr>
-              <a:t>. </a:t>
-            </a:r>
-            <a:r>
-              <a:rPr lang="en-US" sz="3600" b="1" dirty="0" smtClean="0">
-                <a:latin typeface="Arial" pitchFamily="34" charset="0"/>
-                <a:cs typeface="Arial" pitchFamily="34" charset="0"/>
-              </a:rPr>
-              <a:t>Results</a:t>
-            </a:r>
-            <a:endParaRPr lang="en-US" sz="3600" b="1" dirty="0" smtClean="0">
-              <a:latin typeface="Arial" pitchFamily="34" charset="0"/>
-              <a:cs typeface="Arial" pitchFamily="34" charset="0"/>
-            </a:endParaRPr>
+              <a:t>. Results</a:t>
+            </a:r>
           </a:p>
           <a:p>
             <a:pPr algn="just">
@@ -4731,116 +4686,491 @@
                 <a:latin typeface="Arial" pitchFamily="34" charset="0"/>
                 <a:cs typeface="Arial" pitchFamily="34" charset="0"/>
               </a:rPr>
-              <a:t>: </a:t>
+              <a:t>: Yearly variation of total dissolved solids. The blue line indicates the trend and red dots are average (mean) values.</a:t>
+            </a:r>
+          </a:p>
+          <a:p>
+            <a:pPr algn="just"/>
+            <a:endParaRPr lang="en-US" sz="2400" b="1" dirty="0" smtClean="0">
+              <a:latin typeface="Arial" pitchFamily="34" charset="0"/>
+              <a:cs typeface="Arial" pitchFamily="34" charset="0"/>
+            </a:endParaRPr>
+          </a:p>
+          <a:p>
+            <a:pPr algn="just"/>
+            <a:r>
+              <a:rPr lang="en-US" sz="2800" dirty="0" smtClean="0">
+                <a:latin typeface="Arial" pitchFamily="34" charset="0"/>
+                <a:cs typeface="Arial" pitchFamily="34" charset="0"/>
+              </a:rPr>
+              <a:t>The TDS does not show any linear trend in yearly time scale. However the inter-annual variation is high.</a:t>
+            </a:r>
+            <a:endParaRPr lang="en-US" sz="2800" dirty="0" smtClean="0"/>
+          </a:p>
+          <a:p>
+            <a:pPr algn="just">
+              <a:lnSpc>
+                <a:spcPct val="100000"/>
+              </a:lnSpc>
+            </a:pPr>
+            <a:endParaRPr lang="en-US" sz="4800" dirty="0" smtClean="0"/>
+          </a:p>
+          <a:p>
+            <a:pPr algn="just">
+              <a:lnSpc>
+                <a:spcPct val="100000"/>
+              </a:lnSpc>
+            </a:pPr>
+            <a:endParaRPr lang="en-US" dirty="0" smtClean="0"/>
+          </a:p>
+          <a:p>
+            <a:pPr algn="just">
+              <a:lnSpc>
+                <a:spcPct val="100000"/>
+              </a:lnSpc>
+            </a:pPr>
+            <a:endParaRPr lang="en-US" dirty="0"/>
+          </a:p>
+          <a:p>
+            <a:pPr algn="just">
+              <a:lnSpc>
+                <a:spcPct val="100000"/>
+              </a:lnSpc>
+            </a:pPr>
+            <a:endParaRPr lang="en-US" dirty="0" smtClean="0"/>
+          </a:p>
+          <a:p>
+            <a:pPr algn="just">
+              <a:lnSpc>
+                <a:spcPct val="100000"/>
+              </a:lnSpc>
+            </a:pPr>
+            <a:endParaRPr lang="en-US" dirty="0"/>
+          </a:p>
+          <a:p>
+            <a:pPr algn="just"/>
+            <a:r>
+              <a:rPr lang="en-US" sz="2400" b="1" dirty="0">
+                <a:latin typeface="Arial" pitchFamily="34" charset="0"/>
+                <a:cs typeface="Arial" pitchFamily="34" charset="0"/>
+              </a:rPr>
+              <a:t>Figure </a:t>
             </a:r>
             <a:r>
               <a:rPr lang="en-US" sz="2400" b="1" dirty="0" smtClean="0">
                 <a:latin typeface="Arial" pitchFamily="34" charset="0"/>
                 <a:cs typeface="Arial" pitchFamily="34" charset="0"/>
               </a:rPr>
-              <a:t>Yearly variation of total dissolved solids. The blue line indicates the trend and red dots are average (mean) values.</a:t>
-            </a:r>
-          </a:p>
-          <a:p>
-            <a:pPr algn="just"/>
-            <a:endParaRPr lang="en-US" sz="2400" b="1" dirty="0" smtClean="0">
-              <a:latin typeface="Arial" pitchFamily="34" charset="0"/>
-              <a:cs typeface="Arial" pitchFamily="34" charset="0"/>
-            </a:endParaRPr>
-          </a:p>
-          <a:p>
-            <a:pPr algn="just"/>
-            <a:r>
-              <a:rPr lang="en-US" sz="2800" dirty="0" smtClean="0">
-                <a:latin typeface="Arial" pitchFamily="34" charset="0"/>
-                <a:cs typeface="Arial" pitchFamily="34" charset="0"/>
-              </a:rPr>
-              <a:t>The TDS does not show any linear trend in yearly time scale. However the inter-annual variation is high.</a:t>
-            </a:r>
-            <a:endParaRPr lang="en-US" sz="2800" dirty="0" smtClean="0"/>
-          </a:p>
-          <a:p>
-            <a:pPr algn="just">
-              <a:lnSpc>
-                <a:spcPct val="100000"/>
-              </a:lnSpc>
-            </a:pPr>
-            <a:endParaRPr lang="en-US" sz="4800" dirty="0" smtClean="0"/>
-          </a:p>
-          <a:p>
-            <a:pPr algn="just">
-              <a:lnSpc>
-                <a:spcPct val="100000"/>
-              </a:lnSpc>
-            </a:pPr>
-            <a:endParaRPr lang="en-US" dirty="0" smtClean="0"/>
-          </a:p>
-          <a:p>
-            <a:pPr algn="just">
-              <a:lnSpc>
-                <a:spcPct val="100000"/>
-              </a:lnSpc>
-            </a:pPr>
-            <a:endParaRPr lang="en-US" dirty="0"/>
-          </a:p>
-          <a:p>
-            <a:pPr algn="just">
-              <a:lnSpc>
-                <a:spcPct val="100000"/>
-              </a:lnSpc>
-            </a:pPr>
-            <a:endParaRPr lang="en-US" dirty="0" smtClean="0"/>
-          </a:p>
-          <a:p>
-            <a:pPr algn="just">
-              <a:lnSpc>
-                <a:spcPct val="100000"/>
-              </a:lnSpc>
-            </a:pPr>
-            <a:endParaRPr lang="en-US" dirty="0"/>
-          </a:p>
-          <a:p>
-            <a:pPr algn="just"/>
+              <a:t>4: Monthly variation </a:t>
+            </a:r>
             <a:r>
               <a:rPr lang="en-US" sz="2400" b="1" dirty="0">
                 <a:latin typeface="Arial" pitchFamily="34" charset="0"/>
                 <a:cs typeface="Arial" pitchFamily="34" charset="0"/>
               </a:rPr>
-              <a:t>Figure </a:t>
+              <a:t>of total dissolved </a:t>
             </a:r>
             <a:r>
               <a:rPr lang="en-US" sz="2400" b="1" dirty="0" smtClean="0">
                 <a:latin typeface="Arial" pitchFamily="34" charset="0"/>
                 <a:cs typeface="Arial" pitchFamily="34" charset="0"/>
               </a:rPr>
-              <a:t>4: Monthly variation </a:t>
+              <a:t>solids. Red dot indicate the average value for the month.</a:t>
+            </a:r>
+            <a:endParaRPr lang="en-US" sz="2400" b="1" dirty="0">
+              <a:latin typeface="Arial" pitchFamily="34" charset="0"/>
+              <a:cs typeface="Arial" pitchFamily="34" charset="0"/>
+            </a:endParaRPr>
+          </a:p>
+          <a:p>
+            <a:pPr algn="just">
+              <a:lnSpc>
+                <a:spcPct val="100000"/>
+              </a:lnSpc>
+            </a:pPr>
+            <a:endParaRPr lang="en-US" sz="2400" b="1" dirty="0" smtClean="0">
+              <a:latin typeface="Arial" pitchFamily="34" charset="0"/>
+              <a:cs typeface="Arial" pitchFamily="34" charset="0"/>
+            </a:endParaRPr>
+          </a:p>
+          <a:p>
+            <a:pPr algn="just">
+              <a:lnSpc>
+                <a:spcPct val="100000"/>
+              </a:lnSpc>
+            </a:pPr>
+            <a:r>
+              <a:rPr lang="en-US" sz="2400" dirty="0" smtClean="0">
+                <a:latin typeface="Arial" pitchFamily="34" charset="0"/>
+                <a:cs typeface="Arial" pitchFamily="34" charset="0"/>
+              </a:rPr>
+              <a:t>In monthly scale, the salinity level varies with highest in December to the lowest in May and October months. The high level in winter could be the application of de-icing salt on roads which ultimately enters to the groundwater aquifer. </a:t>
+            </a:r>
+            <a:endParaRPr lang="en-US" sz="2400" dirty="0">
+              <a:latin typeface="Arial" pitchFamily="34" charset="0"/>
+              <a:cs typeface="Arial" pitchFamily="34" charset="0"/>
+            </a:endParaRPr>
+          </a:p>
+          <a:p>
+            <a:pPr algn="just">
+              <a:lnSpc>
+                <a:spcPct val="100000"/>
+              </a:lnSpc>
+            </a:pPr>
+            <a:endParaRPr lang="en-US" sz="2400" b="1" dirty="0" smtClean="0">
+              <a:latin typeface="Arial" pitchFamily="34" charset="0"/>
+              <a:cs typeface="Arial" pitchFamily="34" charset="0"/>
+            </a:endParaRPr>
+          </a:p>
+          <a:p>
+            <a:pPr algn="just">
+              <a:lnSpc>
+                <a:spcPct val="100000"/>
+              </a:lnSpc>
+            </a:pPr>
+            <a:endParaRPr lang="en-US" sz="2400" b="1" dirty="0">
+              <a:latin typeface="Arial" pitchFamily="34" charset="0"/>
+              <a:cs typeface="Arial" pitchFamily="34" charset="0"/>
+            </a:endParaRPr>
+          </a:p>
+          <a:p>
+            <a:pPr algn="just"/>
+            <a:r>
+              <a:rPr lang="en-US" sz="3000" b="1" dirty="0" smtClean="0">
+                <a:latin typeface="Arial" pitchFamily="34" charset="0"/>
+                <a:cs typeface="Arial" pitchFamily="34" charset="0"/>
+              </a:rPr>
+              <a:t>5.2 Spatial variation </a:t>
+            </a:r>
+            <a:r>
+              <a:rPr lang="en-US" sz="3000" b="1" dirty="0">
+                <a:latin typeface="Arial" pitchFamily="34" charset="0"/>
+                <a:cs typeface="Arial" pitchFamily="34" charset="0"/>
+              </a:rPr>
+              <a:t>of salinity in well water</a:t>
+            </a:r>
+          </a:p>
+          <a:p>
+            <a:pPr algn="just">
+              <a:lnSpc>
+                <a:spcPct val="100000"/>
+              </a:lnSpc>
+            </a:pPr>
+            <a:endParaRPr lang="en-US" sz="2400" b="1" dirty="0" smtClean="0">
+              <a:latin typeface="Arial" pitchFamily="34" charset="0"/>
+              <a:cs typeface="Arial" pitchFamily="34" charset="0"/>
+            </a:endParaRPr>
+          </a:p>
+          <a:p>
+            <a:pPr algn="just">
+              <a:lnSpc>
+                <a:spcPct val="100000"/>
+              </a:lnSpc>
+            </a:pPr>
+            <a:endParaRPr lang="en-US" sz="2400" b="1" dirty="0">
+              <a:latin typeface="Arial" pitchFamily="34" charset="0"/>
+              <a:cs typeface="Arial" pitchFamily="34" charset="0"/>
+            </a:endParaRPr>
+          </a:p>
+          <a:p>
+            <a:pPr algn="just">
+              <a:lnSpc>
+                <a:spcPct val="100000"/>
+              </a:lnSpc>
+            </a:pPr>
+            <a:endParaRPr lang="en-US" sz="2400" b="1" dirty="0" smtClean="0">
+              <a:latin typeface="Arial" pitchFamily="34" charset="0"/>
+              <a:cs typeface="Arial" pitchFamily="34" charset="0"/>
+            </a:endParaRPr>
+          </a:p>
+          <a:p>
+            <a:pPr algn="just">
+              <a:lnSpc>
+                <a:spcPct val="100000"/>
+              </a:lnSpc>
+            </a:pPr>
+            <a:endParaRPr lang="en-US" sz="2400" b="1" dirty="0">
+              <a:latin typeface="Arial" pitchFamily="34" charset="0"/>
+              <a:cs typeface="Arial" pitchFamily="34" charset="0"/>
+            </a:endParaRPr>
+          </a:p>
+          <a:p>
+            <a:pPr algn="just">
+              <a:lnSpc>
+                <a:spcPct val="100000"/>
+              </a:lnSpc>
+            </a:pPr>
+            <a:endParaRPr lang="en-US" sz="2400" b="1" dirty="0" smtClean="0">
+              <a:latin typeface="Arial" pitchFamily="34" charset="0"/>
+              <a:cs typeface="Arial" pitchFamily="34" charset="0"/>
+            </a:endParaRPr>
+          </a:p>
+          <a:p>
+            <a:pPr algn="just">
+              <a:lnSpc>
+                <a:spcPct val="100000"/>
+              </a:lnSpc>
+            </a:pPr>
+            <a:endParaRPr lang="en-US" sz="2400" b="1" dirty="0">
+              <a:latin typeface="Arial" pitchFamily="34" charset="0"/>
+              <a:cs typeface="Arial" pitchFamily="34" charset="0"/>
+            </a:endParaRPr>
+          </a:p>
+          <a:p>
+            <a:pPr algn="just">
+              <a:lnSpc>
+                <a:spcPct val="100000"/>
+              </a:lnSpc>
+            </a:pPr>
+            <a:endParaRPr lang="en-US" sz="2400" b="1" dirty="0" smtClean="0">
+              <a:latin typeface="Arial" pitchFamily="34" charset="0"/>
+              <a:cs typeface="Arial" pitchFamily="34" charset="0"/>
+            </a:endParaRPr>
+          </a:p>
+          <a:p>
+            <a:pPr algn="just">
+              <a:lnSpc>
+                <a:spcPct val="100000"/>
+              </a:lnSpc>
+            </a:pPr>
+            <a:endParaRPr lang="en-US" sz="2400" b="1" dirty="0">
+              <a:latin typeface="Arial" pitchFamily="34" charset="0"/>
+              <a:cs typeface="Arial" pitchFamily="34" charset="0"/>
+            </a:endParaRPr>
+          </a:p>
+          <a:p>
+            <a:pPr algn="just">
+              <a:lnSpc>
+                <a:spcPct val="100000"/>
+              </a:lnSpc>
+            </a:pPr>
+            <a:endParaRPr lang="en-US" sz="2400" b="1" dirty="0" smtClean="0">
+              <a:latin typeface="Arial" pitchFamily="34" charset="0"/>
+              <a:cs typeface="Arial" pitchFamily="34" charset="0"/>
+            </a:endParaRPr>
+          </a:p>
+          <a:p>
+            <a:pPr algn="just">
+              <a:lnSpc>
+                <a:spcPct val="100000"/>
+              </a:lnSpc>
+            </a:pPr>
+            <a:endParaRPr lang="en-US" sz="2400" b="1" dirty="0">
+              <a:latin typeface="Arial" pitchFamily="34" charset="0"/>
+              <a:cs typeface="Arial" pitchFamily="34" charset="0"/>
+            </a:endParaRPr>
+          </a:p>
+          <a:p>
+            <a:pPr algn="just">
+              <a:lnSpc>
+                <a:spcPct val="100000"/>
+              </a:lnSpc>
+            </a:pPr>
+            <a:endParaRPr lang="en-US" sz="2400" b="1" dirty="0" smtClean="0">
+              <a:latin typeface="Arial" pitchFamily="34" charset="0"/>
+              <a:cs typeface="Arial" pitchFamily="34" charset="0"/>
+            </a:endParaRPr>
+          </a:p>
+          <a:p>
+            <a:pPr algn="just">
+              <a:lnSpc>
+                <a:spcPct val="100000"/>
+              </a:lnSpc>
+            </a:pPr>
+            <a:endParaRPr lang="en-US" sz="2400" b="1" dirty="0" smtClean="0">
+              <a:latin typeface="Arial" pitchFamily="34" charset="0"/>
+              <a:cs typeface="Arial" pitchFamily="34" charset="0"/>
+            </a:endParaRPr>
+          </a:p>
+          <a:p>
+            <a:pPr algn="just">
+              <a:lnSpc>
+                <a:spcPct val="100000"/>
+              </a:lnSpc>
+            </a:pPr>
+            <a:endParaRPr lang="en-US" sz="2400" b="1" dirty="0">
+              <a:latin typeface="Arial" pitchFamily="34" charset="0"/>
+              <a:cs typeface="Arial" pitchFamily="34" charset="0"/>
+            </a:endParaRPr>
+          </a:p>
+          <a:p>
+            <a:pPr algn="just">
+              <a:lnSpc>
+                <a:spcPct val="100000"/>
+              </a:lnSpc>
+            </a:pPr>
+            <a:endParaRPr lang="en-US" sz="2400" b="1" dirty="0" smtClean="0">
+              <a:latin typeface="Arial" pitchFamily="34" charset="0"/>
+              <a:cs typeface="Arial" pitchFamily="34" charset="0"/>
+            </a:endParaRPr>
+          </a:p>
+          <a:p>
+            <a:pPr algn="just">
+              <a:lnSpc>
+                <a:spcPct val="100000"/>
+              </a:lnSpc>
+            </a:pPr>
+            <a:endParaRPr lang="en-US" sz="2400" b="1" dirty="0">
+              <a:latin typeface="Arial" pitchFamily="34" charset="0"/>
+              <a:cs typeface="Arial" pitchFamily="34" charset="0"/>
+            </a:endParaRPr>
+          </a:p>
+          <a:p>
+            <a:pPr algn="just">
+              <a:lnSpc>
+                <a:spcPct val="100000"/>
+              </a:lnSpc>
+            </a:pPr>
+            <a:endParaRPr lang="en-US" sz="2400" b="1" dirty="0" smtClean="0">
+              <a:latin typeface="Arial" pitchFamily="34" charset="0"/>
+              <a:cs typeface="Arial" pitchFamily="34" charset="0"/>
+            </a:endParaRPr>
+          </a:p>
+          <a:p>
+            <a:pPr algn="just">
+              <a:lnSpc>
+                <a:spcPct val="100000"/>
+              </a:lnSpc>
+            </a:pPr>
+            <a:endParaRPr lang="en-US" sz="2400" b="1" dirty="0">
+              <a:latin typeface="Arial" pitchFamily="34" charset="0"/>
+              <a:cs typeface="Arial" pitchFamily="34" charset="0"/>
+            </a:endParaRPr>
+          </a:p>
+          <a:p>
+            <a:pPr algn="just">
+              <a:lnSpc>
+                <a:spcPct val="100000"/>
+              </a:lnSpc>
+            </a:pPr>
+            <a:endParaRPr lang="en-US" sz="2400" b="1" dirty="0" smtClean="0">
+              <a:latin typeface="Arial" pitchFamily="34" charset="0"/>
+              <a:cs typeface="Arial" pitchFamily="34" charset="0"/>
+            </a:endParaRPr>
+          </a:p>
+          <a:p>
+            <a:pPr algn="just">
+              <a:lnSpc>
+                <a:spcPct val="100000"/>
+              </a:lnSpc>
+            </a:pPr>
+            <a:endParaRPr lang="en-US" sz="2400" b="1" dirty="0">
+              <a:latin typeface="Arial" pitchFamily="34" charset="0"/>
+              <a:cs typeface="Arial" pitchFamily="34" charset="0"/>
+            </a:endParaRPr>
+          </a:p>
+          <a:p>
+            <a:pPr algn="just">
+              <a:lnSpc>
+                <a:spcPct val="100000"/>
+              </a:lnSpc>
+            </a:pPr>
+            <a:endParaRPr lang="en-US" sz="2400" b="1" dirty="0" smtClean="0">
+              <a:latin typeface="Arial" pitchFamily="34" charset="0"/>
+              <a:cs typeface="Arial" pitchFamily="34" charset="0"/>
+            </a:endParaRPr>
+          </a:p>
+          <a:p>
+            <a:pPr algn="just">
+              <a:lnSpc>
+                <a:spcPct val="100000"/>
+              </a:lnSpc>
+            </a:pPr>
+            <a:endParaRPr lang="en-US" sz="2400" b="1" dirty="0">
+              <a:latin typeface="Arial" pitchFamily="34" charset="0"/>
+              <a:cs typeface="Arial" pitchFamily="34" charset="0"/>
+            </a:endParaRPr>
+          </a:p>
+          <a:p>
+            <a:pPr algn="just">
+              <a:lnSpc>
+                <a:spcPct val="100000"/>
+              </a:lnSpc>
+            </a:pPr>
+            <a:endParaRPr lang="en-US" sz="2400" b="1" dirty="0" smtClean="0">
+              <a:latin typeface="Arial" pitchFamily="34" charset="0"/>
+              <a:cs typeface="Arial" pitchFamily="34" charset="0"/>
+            </a:endParaRPr>
+          </a:p>
+          <a:p>
+            <a:pPr algn="just">
+              <a:lnSpc>
+                <a:spcPct val="100000"/>
+              </a:lnSpc>
+            </a:pPr>
+            <a:endParaRPr lang="en-US" sz="2400" b="1" dirty="0">
+              <a:latin typeface="Arial" pitchFamily="34" charset="0"/>
+              <a:cs typeface="Arial" pitchFamily="34" charset="0"/>
+            </a:endParaRPr>
+          </a:p>
+          <a:p>
+            <a:pPr algn="just">
+              <a:lnSpc>
+                <a:spcPct val="100000"/>
+              </a:lnSpc>
+            </a:pPr>
+            <a:endParaRPr lang="en-US" sz="2400" b="1" dirty="0" smtClean="0">
+              <a:latin typeface="Arial" pitchFamily="34" charset="0"/>
+              <a:cs typeface="Arial" pitchFamily="34" charset="0"/>
+            </a:endParaRPr>
+          </a:p>
+          <a:p>
+            <a:pPr algn="just">
+              <a:lnSpc>
+                <a:spcPct val="100000"/>
+              </a:lnSpc>
+            </a:pPr>
+            <a:endParaRPr lang="en-US" sz="2400" b="1" dirty="0">
+              <a:latin typeface="Arial" pitchFamily="34" charset="0"/>
+              <a:cs typeface="Arial" pitchFamily="34" charset="0"/>
+            </a:endParaRPr>
+          </a:p>
+          <a:p>
+            <a:pPr algn="just">
+              <a:lnSpc>
+                <a:spcPct val="100000"/>
+              </a:lnSpc>
+            </a:pPr>
+            <a:endParaRPr lang="en-US" sz="2400" b="1" dirty="0" smtClean="0">
+              <a:latin typeface="Arial" pitchFamily="34" charset="0"/>
+              <a:cs typeface="Arial" pitchFamily="34" charset="0"/>
+            </a:endParaRPr>
+          </a:p>
+          <a:p>
+            <a:pPr algn="just">
+              <a:lnSpc>
+                <a:spcPct val="100000"/>
+              </a:lnSpc>
+            </a:pPr>
+            <a:r>
+              <a:rPr lang="en-US" sz="2400" b="1" dirty="0" smtClean="0">
+                <a:latin typeface="Arial" pitchFamily="34" charset="0"/>
+                <a:cs typeface="Arial" pitchFamily="34" charset="0"/>
+              </a:rPr>
+              <a:t>Fig </a:t>
             </a:r>
             <a:r>
               <a:rPr lang="en-US" sz="2400" b="1" dirty="0">
                 <a:latin typeface="Arial" pitchFamily="34" charset="0"/>
                 <a:cs typeface="Arial" pitchFamily="34" charset="0"/>
               </a:rPr>
-              <a:t>of total dissolved </a:t>
+              <a:t>5</a:t>
             </a:r>
             <a:r>
               <a:rPr lang="en-US" sz="2400" b="1" dirty="0" smtClean="0">
                 <a:latin typeface="Arial" pitchFamily="34" charset="0"/>
                 <a:cs typeface="Arial" pitchFamily="34" charset="0"/>
               </a:rPr>
-              <a:t>solids. Red dot indicate the average value for the month.</a:t>
-            </a:r>
+              <a:t>: The interpolation of the TDS</a:t>
+            </a:r>
+          </a:p>
+          <a:p>
+            <a:pPr algn="just">
+              <a:lnSpc>
+                <a:spcPct val="100000"/>
+              </a:lnSpc>
+            </a:pPr>
             <a:endParaRPr lang="en-US" sz="2400" b="1" dirty="0">
-              <a:latin typeface="Arial" pitchFamily="34" charset="0"/>
-              <a:cs typeface="Arial" pitchFamily="34" charset="0"/>
-            </a:endParaRPr>
-          </a:p>
-          <a:p>
-            <a:pPr algn="just">
-              <a:lnSpc>
-                <a:spcPct val="100000"/>
-              </a:lnSpc>
-            </a:pPr>
-            <a:endParaRPr lang="en-US" sz="2400" b="1" dirty="0" smtClean="0">
               <a:latin typeface="Arial" pitchFamily="34" charset="0"/>
               <a:cs typeface="Arial" pitchFamily="34" charset="0"/>
             </a:endParaRPr>
@@ -4856,502 +5186,102 @@
                 <a:latin typeface="Arial" pitchFamily="34" charset="0"/>
                 <a:cs typeface="Arial" pitchFamily="34" charset="0"/>
               </a:rPr>
-              <a:t>In monthly scale, the salinity level varies with highest in December to the lowest in May and October months. The high level in winter could be the application of de-icing salt </a:t>
-            </a:r>
-            <a:r>
-              <a:rPr lang="en-US" sz="2400" dirty="0" smtClean="0">
-                <a:latin typeface="Arial" pitchFamily="34" charset="0"/>
-                <a:cs typeface="Arial" pitchFamily="34" charset="0"/>
-              </a:rPr>
-              <a:t>on roads which ultimately enters to the groundwater aquifer. </a:t>
-            </a:r>
-            <a:endParaRPr lang="en-US" sz="2400" dirty="0">
-              <a:latin typeface="Arial" pitchFamily="34" charset="0"/>
-              <a:cs typeface="Arial" pitchFamily="34" charset="0"/>
-            </a:endParaRPr>
-          </a:p>
-          <a:p>
-            <a:pPr algn="just">
-              <a:lnSpc>
-                <a:spcPct val="100000"/>
-              </a:lnSpc>
-            </a:pPr>
-            <a:endParaRPr lang="en-US" sz="2400" b="1" dirty="0" smtClean="0">
-              <a:latin typeface="Arial" pitchFamily="34" charset="0"/>
-              <a:cs typeface="Arial" pitchFamily="34" charset="0"/>
-            </a:endParaRPr>
-          </a:p>
-          <a:p>
-            <a:pPr algn="just">
-              <a:lnSpc>
-                <a:spcPct val="100000"/>
-              </a:lnSpc>
-            </a:pPr>
-            <a:endParaRPr lang="en-US" sz="2400" b="1" dirty="0">
-              <a:latin typeface="Arial" pitchFamily="34" charset="0"/>
-              <a:cs typeface="Arial" pitchFamily="34" charset="0"/>
-            </a:endParaRPr>
+              <a:t>It shows that the areas connected with the salt ponds have been recorded with the higher concentration</a:t>
+            </a:r>
+            <a:endParaRPr lang="en-US" sz="3000" dirty="0" smtClean="0">
+              <a:latin typeface="Arial" pitchFamily="34" charset="0"/>
+              <a:cs typeface="Arial" pitchFamily="34" charset="0"/>
+            </a:endParaRPr>
+          </a:p>
+          <a:p>
+            <a:pPr algn="just">
+              <a:lnSpc>
+                <a:spcPct val="100000"/>
+              </a:lnSpc>
+            </a:pPr>
+            <a:endParaRPr lang="en-US" dirty="0" smtClean="0"/>
+          </a:p>
+          <a:p>
+            <a:pPr algn="just">
+              <a:lnSpc>
+                <a:spcPct val="100000"/>
+              </a:lnSpc>
+            </a:pPr>
+            <a:endParaRPr lang="en-US" dirty="0" smtClean="0"/>
+          </a:p>
+          <a:p>
+            <a:pPr algn="just">
+              <a:lnSpc>
+                <a:spcPct val="100000"/>
+              </a:lnSpc>
+            </a:pPr>
+            <a:endParaRPr lang="en-US" sz="1800" dirty="0" smtClean="0"/>
+          </a:p>
+          <a:p>
+            <a:pPr algn="just">
+              <a:lnSpc>
+                <a:spcPct val="100000"/>
+              </a:lnSpc>
+            </a:pPr>
+            <a:endParaRPr lang="en-US" sz="1800" dirty="0" smtClean="0"/>
+          </a:p>
+          <a:p>
+            <a:pPr algn="just">
+              <a:lnSpc>
+                <a:spcPct val="100000"/>
+              </a:lnSpc>
+            </a:pPr>
+            <a:endParaRPr lang="en-US" sz="1800" dirty="0" smtClean="0"/>
+          </a:p>
+          <a:p>
+            <a:pPr algn="just">
+              <a:lnSpc>
+                <a:spcPct val="100000"/>
+              </a:lnSpc>
+            </a:pPr>
+            <a:endParaRPr lang="en-US" sz="1800" dirty="0" smtClean="0"/>
+          </a:p>
+          <a:p>
+            <a:pPr algn="just">
+              <a:lnSpc>
+                <a:spcPct val="100000"/>
+              </a:lnSpc>
+            </a:pPr>
+            <a:endParaRPr lang="en-US" sz="1800" dirty="0" smtClean="0"/>
+          </a:p>
+          <a:p>
+            <a:pPr algn="just">
+              <a:lnSpc>
+                <a:spcPct val="100000"/>
+              </a:lnSpc>
+            </a:pPr>
+            <a:endParaRPr lang="en-US" sz="1800" dirty="0" smtClean="0"/>
+          </a:p>
+          <a:p>
+            <a:pPr algn="just">
+              <a:lnSpc>
+                <a:spcPct val="100000"/>
+              </a:lnSpc>
+            </a:pPr>
+            <a:endParaRPr lang="en-US" sz="1800" dirty="0" smtClean="0"/>
+          </a:p>
+          <a:p>
+            <a:pPr algn="just">
+              <a:lnSpc>
+                <a:spcPct val="100000"/>
+              </a:lnSpc>
+            </a:pPr>
+            <a:endParaRPr lang="en-US" sz="1800" dirty="0" smtClean="0"/>
           </a:p>
           <a:p>
             <a:pPr algn="just"/>
-            <a:r>
-              <a:rPr lang="en-US" sz="3000" b="1" dirty="0" smtClean="0">
-                <a:latin typeface="Arial" pitchFamily="34" charset="0"/>
-                <a:cs typeface="Arial" pitchFamily="34" charset="0"/>
-              </a:rPr>
-              <a:t>5.2 Spatial variation </a:t>
-            </a:r>
-            <a:r>
-              <a:rPr lang="en-US" sz="3000" b="1" dirty="0">
-                <a:latin typeface="Arial" pitchFamily="34" charset="0"/>
-                <a:cs typeface="Arial" pitchFamily="34" charset="0"/>
-              </a:rPr>
-              <a:t>of salinity in well water</a:t>
-            </a:r>
-          </a:p>
-          <a:p>
-            <a:pPr algn="just">
-              <a:lnSpc>
-                <a:spcPct val="100000"/>
-              </a:lnSpc>
-            </a:pPr>
-            <a:endParaRPr lang="en-US" sz="2400" b="1" dirty="0" smtClean="0">
-              <a:latin typeface="Arial" pitchFamily="34" charset="0"/>
-              <a:cs typeface="Arial" pitchFamily="34" charset="0"/>
-            </a:endParaRPr>
-          </a:p>
-          <a:p>
-            <a:pPr algn="just">
-              <a:lnSpc>
-                <a:spcPct val="100000"/>
-              </a:lnSpc>
-            </a:pPr>
-            <a:endParaRPr lang="en-US" sz="2400" b="1" dirty="0">
-              <a:latin typeface="Arial" pitchFamily="34" charset="0"/>
-              <a:cs typeface="Arial" pitchFamily="34" charset="0"/>
-            </a:endParaRPr>
-          </a:p>
-          <a:p>
-            <a:pPr algn="just">
-              <a:lnSpc>
-                <a:spcPct val="100000"/>
-              </a:lnSpc>
-            </a:pPr>
-            <a:endParaRPr lang="en-US" sz="2400" b="1" dirty="0" smtClean="0">
-              <a:latin typeface="Arial" pitchFamily="34" charset="0"/>
-              <a:cs typeface="Arial" pitchFamily="34" charset="0"/>
-            </a:endParaRPr>
-          </a:p>
-          <a:p>
-            <a:pPr algn="just">
-              <a:lnSpc>
-                <a:spcPct val="100000"/>
-              </a:lnSpc>
-            </a:pPr>
-            <a:endParaRPr lang="en-US" sz="2400" b="1" dirty="0">
-              <a:latin typeface="Arial" pitchFamily="34" charset="0"/>
-              <a:cs typeface="Arial" pitchFamily="34" charset="0"/>
-            </a:endParaRPr>
-          </a:p>
-          <a:p>
-            <a:pPr algn="just">
-              <a:lnSpc>
-                <a:spcPct val="100000"/>
-              </a:lnSpc>
-            </a:pPr>
-            <a:endParaRPr lang="en-US" sz="2400" b="1" dirty="0" smtClean="0">
-              <a:latin typeface="Arial" pitchFamily="34" charset="0"/>
-              <a:cs typeface="Arial" pitchFamily="34" charset="0"/>
-            </a:endParaRPr>
-          </a:p>
-          <a:p>
-            <a:pPr algn="just">
-              <a:lnSpc>
-                <a:spcPct val="100000"/>
-              </a:lnSpc>
-            </a:pPr>
-            <a:endParaRPr lang="en-US" sz="2400" b="1" dirty="0">
-              <a:latin typeface="Arial" pitchFamily="34" charset="0"/>
-              <a:cs typeface="Arial" pitchFamily="34" charset="0"/>
-            </a:endParaRPr>
-          </a:p>
-          <a:p>
-            <a:pPr algn="just">
-              <a:lnSpc>
-                <a:spcPct val="100000"/>
-              </a:lnSpc>
-            </a:pPr>
-            <a:endParaRPr lang="en-US" sz="2400" b="1" dirty="0" smtClean="0">
-              <a:latin typeface="Arial" pitchFamily="34" charset="0"/>
-              <a:cs typeface="Arial" pitchFamily="34" charset="0"/>
-            </a:endParaRPr>
-          </a:p>
-          <a:p>
-            <a:pPr algn="just">
-              <a:lnSpc>
-                <a:spcPct val="100000"/>
-              </a:lnSpc>
-            </a:pPr>
-            <a:endParaRPr lang="en-US" sz="2400" b="1" dirty="0">
-              <a:latin typeface="Arial" pitchFamily="34" charset="0"/>
-              <a:cs typeface="Arial" pitchFamily="34" charset="0"/>
-            </a:endParaRPr>
-          </a:p>
-          <a:p>
-            <a:pPr algn="just">
-              <a:lnSpc>
-                <a:spcPct val="100000"/>
-              </a:lnSpc>
-            </a:pPr>
-            <a:endParaRPr lang="en-US" sz="2400" b="1" dirty="0" smtClean="0">
-              <a:latin typeface="Arial" pitchFamily="34" charset="0"/>
-              <a:cs typeface="Arial" pitchFamily="34" charset="0"/>
-            </a:endParaRPr>
-          </a:p>
-          <a:p>
-            <a:pPr algn="just">
-              <a:lnSpc>
-                <a:spcPct val="100000"/>
-              </a:lnSpc>
-            </a:pPr>
-            <a:endParaRPr lang="en-US" sz="2400" b="1" dirty="0">
-              <a:latin typeface="Arial" pitchFamily="34" charset="0"/>
-              <a:cs typeface="Arial" pitchFamily="34" charset="0"/>
-            </a:endParaRPr>
-          </a:p>
-          <a:p>
-            <a:pPr algn="just">
-              <a:lnSpc>
-                <a:spcPct val="100000"/>
-              </a:lnSpc>
-            </a:pPr>
-            <a:endParaRPr lang="en-US" sz="2400" b="1" dirty="0" smtClean="0">
-              <a:latin typeface="Arial" pitchFamily="34" charset="0"/>
-              <a:cs typeface="Arial" pitchFamily="34" charset="0"/>
-            </a:endParaRPr>
-          </a:p>
-          <a:p>
-            <a:pPr algn="just">
-              <a:lnSpc>
-                <a:spcPct val="100000"/>
-              </a:lnSpc>
-            </a:pPr>
-            <a:endParaRPr lang="en-US" sz="2400" b="1" dirty="0" smtClean="0">
-              <a:latin typeface="Arial" pitchFamily="34" charset="0"/>
-              <a:cs typeface="Arial" pitchFamily="34" charset="0"/>
-            </a:endParaRPr>
-          </a:p>
-          <a:p>
-            <a:pPr algn="just">
-              <a:lnSpc>
-                <a:spcPct val="100000"/>
-              </a:lnSpc>
-            </a:pPr>
-            <a:endParaRPr lang="en-US" sz="2400" b="1" dirty="0">
-              <a:latin typeface="Arial" pitchFamily="34" charset="0"/>
-              <a:cs typeface="Arial" pitchFamily="34" charset="0"/>
-            </a:endParaRPr>
-          </a:p>
-          <a:p>
-            <a:pPr algn="just">
-              <a:lnSpc>
-                <a:spcPct val="100000"/>
-              </a:lnSpc>
-            </a:pPr>
-            <a:endParaRPr lang="en-US" sz="2400" b="1" dirty="0" smtClean="0">
-              <a:latin typeface="Arial" pitchFamily="34" charset="0"/>
-              <a:cs typeface="Arial" pitchFamily="34" charset="0"/>
-            </a:endParaRPr>
-          </a:p>
-          <a:p>
-            <a:pPr algn="just">
-              <a:lnSpc>
-                <a:spcPct val="100000"/>
-              </a:lnSpc>
-            </a:pPr>
-            <a:endParaRPr lang="en-US" sz="2400" b="1" dirty="0">
-              <a:latin typeface="Arial" pitchFamily="34" charset="0"/>
-              <a:cs typeface="Arial" pitchFamily="34" charset="0"/>
-            </a:endParaRPr>
-          </a:p>
-          <a:p>
-            <a:pPr algn="just">
-              <a:lnSpc>
-                <a:spcPct val="100000"/>
-              </a:lnSpc>
-            </a:pPr>
-            <a:endParaRPr lang="en-US" sz="2400" b="1" dirty="0" smtClean="0">
-              <a:latin typeface="Arial" pitchFamily="34" charset="0"/>
-              <a:cs typeface="Arial" pitchFamily="34" charset="0"/>
-            </a:endParaRPr>
-          </a:p>
-          <a:p>
-            <a:pPr algn="just">
-              <a:lnSpc>
-                <a:spcPct val="100000"/>
-              </a:lnSpc>
-            </a:pPr>
-            <a:endParaRPr lang="en-US" sz="2400" b="1" dirty="0">
-              <a:latin typeface="Arial" pitchFamily="34" charset="0"/>
-              <a:cs typeface="Arial" pitchFamily="34" charset="0"/>
-            </a:endParaRPr>
-          </a:p>
-          <a:p>
-            <a:pPr algn="just">
-              <a:lnSpc>
-                <a:spcPct val="100000"/>
-              </a:lnSpc>
-            </a:pPr>
-            <a:endParaRPr lang="en-US" sz="2400" b="1" dirty="0" smtClean="0">
-              <a:latin typeface="Arial" pitchFamily="34" charset="0"/>
-              <a:cs typeface="Arial" pitchFamily="34" charset="0"/>
-            </a:endParaRPr>
-          </a:p>
-          <a:p>
-            <a:pPr algn="just">
-              <a:lnSpc>
-                <a:spcPct val="100000"/>
-              </a:lnSpc>
-            </a:pPr>
-            <a:endParaRPr lang="en-US" sz="2400" b="1" dirty="0">
-              <a:latin typeface="Arial" pitchFamily="34" charset="0"/>
-              <a:cs typeface="Arial" pitchFamily="34" charset="0"/>
-            </a:endParaRPr>
-          </a:p>
-          <a:p>
-            <a:pPr algn="just">
-              <a:lnSpc>
-                <a:spcPct val="100000"/>
-              </a:lnSpc>
-            </a:pPr>
-            <a:endParaRPr lang="en-US" sz="2400" b="1" dirty="0" smtClean="0">
-              <a:latin typeface="Arial" pitchFamily="34" charset="0"/>
-              <a:cs typeface="Arial" pitchFamily="34" charset="0"/>
-            </a:endParaRPr>
-          </a:p>
-          <a:p>
-            <a:pPr algn="just">
-              <a:lnSpc>
-                <a:spcPct val="100000"/>
-              </a:lnSpc>
-            </a:pPr>
-            <a:endParaRPr lang="en-US" sz="2400" b="1" dirty="0">
-              <a:latin typeface="Arial" pitchFamily="34" charset="0"/>
-              <a:cs typeface="Arial" pitchFamily="34" charset="0"/>
-            </a:endParaRPr>
-          </a:p>
-          <a:p>
-            <a:pPr algn="just">
-              <a:lnSpc>
-                <a:spcPct val="100000"/>
-              </a:lnSpc>
-            </a:pPr>
-            <a:endParaRPr lang="en-US" sz="2400" b="1" dirty="0" smtClean="0">
-              <a:latin typeface="Arial" pitchFamily="34" charset="0"/>
-              <a:cs typeface="Arial" pitchFamily="34" charset="0"/>
-            </a:endParaRPr>
-          </a:p>
-          <a:p>
-            <a:pPr algn="just">
-              <a:lnSpc>
-                <a:spcPct val="100000"/>
-              </a:lnSpc>
-            </a:pPr>
-            <a:endParaRPr lang="en-US" sz="2400" b="1" dirty="0">
-              <a:latin typeface="Arial" pitchFamily="34" charset="0"/>
-              <a:cs typeface="Arial" pitchFamily="34" charset="0"/>
-            </a:endParaRPr>
-          </a:p>
-          <a:p>
-            <a:pPr algn="just">
-              <a:lnSpc>
-                <a:spcPct val="100000"/>
-              </a:lnSpc>
-            </a:pPr>
-            <a:endParaRPr lang="en-US" sz="2400" b="1" dirty="0" smtClean="0">
-              <a:latin typeface="Arial" pitchFamily="34" charset="0"/>
-              <a:cs typeface="Arial" pitchFamily="34" charset="0"/>
-            </a:endParaRPr>
-          </a:p>
-          <a:p>
-            <a:pPr algn="just">
-              <a:lnSpc>
-                <a:spcPct val="100000"/>
-              </a:lnSpc>
-            </a:pPr>
-            <a:endParaRPr lang="en-US" sz="2400" b="1" dirty="0">
-              <a:latin typeface="Arial" pitchFamily="34" charset="0"/>
-              <a:cs typeface="Arial" pitchFamily="34" charset="0"/>
-            </a:endParaRPr>
-          </a:p>
-          <a:p>
-            <a:pPr algn="just">
-              <a:lnSpc>
-                <a:spcPct val="100000"/>
-              </a:lnSpc>
-            </a:pPr>
-            <a:endParaRPr lang="en-US" sz="2400" b="1" dirty="0" smtClean="0">
-              <a:latin typeface="Arial" pitchFamily="34" charset="0"/>
-              <a:cs typeface="Arial" pitchFamily="34" charset="0"/>
-            </a:endParaRPr>
-          </a:p>
-          <a:p>
-            <a:pPr algn="just">
-              <a:lnSpc>
-                <a:spcPct val="100000"/>
-              </a:lnSpc>
-            </a:pPr>
-            <a:r>
-              <a:rPr lang="en-US" sz="2400" b="1" dirty="0" smtClean="0">
-                <a:latin typeface="Arial" pitchFamily="34" charset="0"/>
-                <a:cs typeface="Arial" pitchFamily="34" charset="0"/>
-              </a:rPr>
-              <a:t>Fig </a:t>
-            </a:r>
             <a:r>
               <a:rPr lang="en-US" sz="2400" b="1" dirty="0">
                 <a:latin typeface="Arial" pitchFamily="34" charset="0"/>
                 <a:cs typeface="Arial" pitchFamily="34" charset="0"/>
               </a:rPr>
-              <a:t>5</a:t>
-            </a:r>
-            <a:r>
-              <a:rPr lang="en-US" sz="2400" b="1" dirty="0" smtClean="0">
-                <a:latin typeface="Arial" pitchFamily="34" charset="0"/>
-                <a:cs typeface="Arial" pitchFamily="34" charset="0"/>
-              </a:rPr>
-              <a:t>: The interpolation of the TDS</a:t>
-            </a:r>
-          </a:p>
-          <a:p>
-            <a:pPr algn="just">
-              <a:lnSpc>
-                <a:spcPct val="100000"/>
-              </a:lnSpc>
-            </a:pPr>
-            <a:endParaRPr lang="en-US" sz="2400" b="1" dirty="0">
-              <a:latin typeface="Arial" pitchFamily="34" charset="0"/>
-              <a:cs typeface="Arial" pitchFamily="34" charset="0"/>
-            </a:endParaRPr>
-          </a:p>
-          <a:p>
-            <a:pPr algn="just">
-              <a:lnSpc>
-                <a:spcPct val="100000"/>
-              </a:lnSpc>
-            </a:pPr>
-            <a:r>
-              <a:rPr lang="en-US" sz="2400" dirty="0" smtClean="0">
-                <a:latin typeface="Arial" pitchFamily="34" charset="0"/>
-                <a:cs typeface="Arial" pitchFamily="34" charset="0"/>
-              </a:rPr>
-              <a:t>It shows that the areas connected with the salt ponds have been recorded with the higher concentration</a:t>
-            </a:r>
-            <a:endParaRPr lang="en-US" sz="3000" dirty="0" smtClean="0">
-              <a:latin typeface="Arial" pitchFamily="34" charset="0"/>
-              <a:cs typeface="Arial" pitchFamily="34" charset="0"/>
-            </a:endParaRPr>
-          </a:p>
-          <a:p>
-            <a:pPr algn="just">
-              <a:lnSpc>
-                <a:spcPct val="100000"/>
-              </a:lnSpc>
-            </a:pPr>
-            <a:endParaRPr lang="en-US" dirty="0" smtClean="0"/>
-          </a:p>
-          <a:p>
-            <a:pPr algn="just">
-              <a:lnSpc>
-                <a:spcPct val="100000"/>
-              </a:lnSpc>
-            </a:pPr>
-            <a:endParaRPr lang="en-US" dirty="0" smtClean="0"/>
-          </a:p>
-          <a:p>
-            <a:pPr algn="just">
-              <a:lnSpc>
-                <a:spcPct val="100000"/>
-              </a:lnSpc>
-            </a:pPr>
-            <a:endParaRPr lang="en-US" sz="1800" dirty="0" smtClean="0"/>
-          </a:p>
-          <a:p>
-            <a:pPr algn="just">
-              <a:lnSpc>
-                <a:spcPct val="100000"/>
-              </a:lnSpc>
-            </a:pPr>
-            <a:endParaRPr lang="en-US" sz="1800" dirty="0" smtClean="0"/>
-          </a:p>
-          <a:p>
-            <a:pPr algn="just">
-              <a:lnSpc>
-                <a:spcPct val="100000"/>
-              </a:lnSpc>
-            </a:pPr>
-            <a:endParaRPr lang="en-US" sz="1800" dirty="0" smtClean="0"/>
-          </a:p>
-          <a:p>
-            <a:pPr algn="just">
-              <a:lnSpc>
-                <a:spcPct val="100000"/>
-              </a:lnSpc>
-            </a:pPr>
-            <a:endParaRPr lang="en-US" sz="1800" dirty="0" smtClean="0"/>
-          </a:p>
-          <a:p>
-            <a:pPr algn="just">
-              <a:lnSpc>
-                <a:spcPct val="100000"/>
-              </a:lnSpc>
-            </a:pPr>
-            <a:endParaRPr lang="en-US" sz="1800" dirty="0" smtClean="0"/>
-          </a:p>
-          <a:p>
-            <a:pPr algn="just">
-              <a:lnSpc>
-                <a:spcPct val="100000"/>
-              </a:lnSpc>
-            </a:pPr>
-            <a:endParaRPr lang="en-US" sz="1800" dirty="0" smtClean="0"/>
-          </a:p>
-          <a:p>
-            <a:pPr algn="just">
-              <a:lnSpc>
-                <a:spcPct val="100000"/>
-              </a:lnSpc>
-            </a:pPr>
-            <a:endParaRPr lang="en-US" sz="1800" dirty="0" smtClean="0"/>
-          </a:p>
-          <a:p>
-            <a:pPr algn="just">
-              <a:lnSpc>
-                <a:spcPct val="100000"/>
-              </a:lnSpc>
-            </a:pPr>
-            <a:endParaRPr lang="en-US" sz="1800" dirty="0" smtClean="0"/>
-          </a:p>
-          <a:p>
-            <a:pPr algn="just"/>
-            <a:r>
-              <a:rPr lang="en-US" sz="2400" b="1" dirty="0">
-                <a:latin typeface="Arial" pitchFamily="34" charset="0"/>
-                <a:cs typeface="Arial" pitchFamily="34" charset="0"/>
-              </a:rPr>
-              <a:t>Fig 5: </a:t>
-            </a:r>
-            <a:r>
-              <a:rPr lang="en-US" sz="2400" b="1" dirty="0">
-                <a:latin typeface="Arial" pitchFamily="34" charset="0"/>
-                <a:cs typeface="Arial" pitchFamily="34" charset="0"/>
-              </a:rPr>
-              <a:t>Average TDS below and above Route 1 highway</a:t>
-            </a:r>
-            <a:endParaRPr lang="en-US" sz="2400" b="1" dirty="0">
-              <a:latin typeface="Arial" pitchFamily="34" charset="0"/>
-              <a:cs typeface="Arial" pitchFamily="34" charset="0"/>
-            </a:endParaRPr>
+              <a:t>Fig 5: Average TDS below and above Route 1 highway</a:t>
+            </a:r>
           </a:p>
           <a:p>
             <a:pPr algn="just">
@@ -5371,7 +5301,6 @@
               <a:rPr lang="en-US" sz="2600" dirty="0" smtClean="0"/>
               <a:t>The salinity level is higher in the areas below Route 1 highway than above areas. It signals that there could be a potential problem of saltwater intrusion. </a:t>
             </a:r>
-            <a:endParaRPr lang="en-US" sz="2600" dirty="0" smtClean="0"/>
           </a:p>
           <a:p>
             <a:pPr algn="just">
@@ -5719,10 +5648,6 @@
               </a:rPr>
               <a:t>5.3 TDS relationship with water quality indicators</a:t>
             </a:r>
-            <a:endParaRPr lang="en-US" sz="3000" b="1" dirty="0" smtClean="0">
-              <a:latin typeface="Arial" pitchFamily="34" charset="0"/>
-              <a:cs typeface="Arial" pitchFamily="34" charset="0"/>
-            </a:endParaRPr>
           </a:p>
           <a:p>
             <a:pPr algn="just">
@@ -5831,6 +5756,146 @@
                 <a:latin typeface="Arial" panose="020B0604020202020204" pitchFamily="34" charset="0"/>
                 <a:cs typeface="Arial" panose="020B0604020202020204" pitchFamily="34" charset="0"/>
               </a:rPr>
+              <a:t>Figure 7: Correlation between TDS and chloride concentration</a:t>
+            </a:r>
+          </a:p>
+          <a:p>
+            <a:pPr algn="just">
+              <a:lnSpc>
+                <a:spcPct val="100000"/>
+              </a:lnSpc>
+            </a:pPr>
+            <a:endParaRPr lang="en-US" sz="2400" dirty="0">
+              <a:latin typeface="Arial" panose="020B0604020202020204" pitchFamily="34" charset="0"/>
+              <a:cs typeface="Arial" panose="020B0604020202020204" pitchFamily="34" charset="0"/>
+            </a:endParaRPr>
+          </a:p>
+          <a:p>
+            <a:pPr algn="just">
+              <a:lnSpc>
+                <a:spcPct val="100000"/>
+              </a:lnSpc>
+            </a:pPr>
+            <a:r>
+              <a:rPr lang="en-US" sz="2400" dirty="0" smtClean="0">
+                <a:latin typeface="Arial" panose="020B0604020202020204" pitchFamily="34" charset="0"/>
+                <a:cs typeface="Arial" panose="020B0604020202020204" pitchFamily="34" charset="0"/>
+              </a:rPr>
+              <a:t>The strong correlation between TDS and chloride with significant level indicates that one indicator compliments other. In future, researcher can just measure one to predict the other if there is research scarcity to monitor both the water quality parameters. </a:t>
+            </a:r>
+          </a:p>
+          <a:p>
+            <a:pPr algn="just">
+              <a:lnSpc>
+                <a:spcPct val="100000"/>
+              </a:lnSpc>
+            </a:pPr>
+            <a:endParaRPr lang="en-US" sz="2400" dirty="0">
+              <a:latin typeface="Arial" panose="020B0604020202020204" pitchFamily="34" charset="0"/>
+              <a:cs typeface="Arial" panose="020B0604020202020204" pitchFamily="34" charset="0"/>
+            </a:endParaRPr>
+          </a:p>
+          <a:p>
+            <a:pPr algn="just">
+              <a:lnSpc>
+                <a:spcPct val="100000"/>
+              </a:lnSpc>
+            </a:pPr>
+            <a:endParaRPr lang="en-US" sz="2400" dirty="0">
+              <a:latin typeface="Arial" panose="020B0604020202020204" pitchFamily="34" charset="0"/>
+              <a:cs typeface="Arial" panose="020B0604020202020204" pitchFamily="34" charset="0"/>
+            </a:endParaRPr>
+          </a:p>
+          <a:p>
+            <a:pPr algn="just">
+              <a:lnSpc>
+                <a:spcPct val="100000"/>
+              </a:lnSpc>
+            </a:pPr>
+            <a:endParaRPr lang="en-US" sz="3000" b="1" dirty="0" smtClean="0">
+              <a:latin typeface="Arial" pitchFamily="34" charset="0"/>
+              <a:cs typeface="Arial" pitchFamily="34" charset="0"/>
+            </a:endParaRPr>
+          </a:p>
+          <a:p>
+            <a:endParaRPr lang="en-US" sz="3000" b="1" dirty="0" smtClean="0">
+              <a:latin typeface="Arial" pitchFamily="34" charset="0"/>
+              <a:cs typeface="Arial" pitchFamily="34" charset="0"/>
+            </a:endParaRPr>
+          </a:p>
+          <a:p>
+            <a:endParaRPr lang="en-US" sz="3000" b="1" dirty="0">
+              <a:latin typeface="Arial" pitchFamily="34" charset="0"/>
+              <a:cs typeface="Arial" pitchFamily="34" charset="0"/>
+            </a:endParaRPr>
+          </a:p>
+          <a:p>
+            <a:endParaRPr lang="en-US" sz="3000" b="1" dirty="0" smtClean="0">
+              <a:latin typeface="Arial" pitchFamily="34" charset="0"/>
+              <a:cs typeface="Arial" pitchFamily="34" charset="0"/>
+            </a:endParaRPr>
+          </a:p>
+          <a:p>
+            <a:endParaRPr lang="en-US" sz="3000" b="1" dirty="0" smtClean="0">
+              <a:latin typeface="Arial" pitchFamily="34" charset="0"/>
+              <a:cs typeface="Arial" pitchFamily="34" charset="0"/>
+            </a:endParaRPr>
+          </a:p>
+          <a:p>
+            <a:endParaRPr lang="en-US" sz="3000" b="1" dirty="0">
+              <a:latin typeface="Arial" pitchFamily="34" charset="0"/>
+              <a:cs typeface="Arial" pitchFamily="34" charset="0"/>
+            </a:endParaRPr>
+          </a:p>
+          <a:p>
+            <a:endParaRPr lang="en-US" sz="3000" b="1" dirty="0" smtClean="0">
+              <a:latin typeface="Arial" pitchFamily="34" charset="0"/>
+              <a:cs typeface="Arial" pitchFamily="34" charset="0"/>
+            </a:endParaRPr>
+          </a:p>
+          <a:p>
+            <a:endParaRPr lang="en-US" sz="3000" b="1" dirty="0">
+              <a:latin typeface="Arial" pitchFamily="34" charset="0"/>
+              <a:cs typeface="Arial" pitchFamily="34" charset="0"/>
+            </a:endParaRPr>
+          </a:p>
+          <a:p>
+            <a:endParaRPr lang="en-US" sz="3000" b="1" dirty="0" smtClean="0">
+              <a:latin typeface="Arial" pitchFamily="34" charset="0"/>
+              <a:cs typeface="Arial" pitchFamily="34" charset="0"/>
+            </a:endParaRPr>
+          </a:p>
+          <a:p>
+            <a:endParaRPr lang="en-US" sz="3000" b="1" dirty="0">
+              <a:latin typeface="Arial" pitchFamily="34" charset="0"/>
+              <a:cs typeface="Arial" pitchFamily="34" charset="0"/>
+            </a:endParaRPr>
+          </a:p>
+          <a:p>
+            <a:endParaRPr lang="en-US" sz="3000" b="1" dirty="0" smtClean="0">
+              <a:latin typeface="Arial" pitchFamily="34" charset="0"/>
+              <a:cs typeface="Arial" pitchFamily="34" charset="0"/>
+            </a:endParaRPr>
+          </a:p>
+          <a:p>
+            <a:endParaRPr lang="en-US" sz="3000" b="1" dirty="0">
+              <a:latin typeface="Arial" pitchFamily="34" charset="0"/>
+              <a:cs typeface="Arial" pitchFamily="34" charset="0"/>
+            </a:endParaRPr>
+          </a:p>
+          <a:p>
+            <a:endParaRPr lang="en-US" sz="3000" b="1" dirty="0" smtClean="0">
+              <a:latin typeface="Arial" pitchFamily="34" charset="0"/>
+              <a:cs typeface="Arial" pitchFamily="34" charset="0"/>
+            </a:endParaRPr>
+          </a:p>
+          <a:p>
+            <a:pPr algn="just"/>
+            <a:r>
+              <a:rPr lang="en-US" sz="2400" b="1" dirty="0">
+                <a:latin typeface="Arial" panose="020B0604020202020204" pitchFamily="34" charset="0"/>
+                <a:cs typeface="Arial" panose="020B0604020202020204" pitchFamily="34" charset="0"/>
+              </a:rPr>
               <a:t>Figure </a:t>
             </a:r>
             <a:r>
@@ -5838,173 +5903,15 @@
                 <a:latin typeface="Arial" panose="020B0604020202020204" pitchFamily="34" charset="0"/>
                 <a:cs typeface="Arial" panose="020B0604020202020204" pitchFamily="34" charset="0"/>
               </a:rPr>
-              <a:t>7: </a:t>
-            </a:r>
-            <a:r>
-              <a:rPr lang="en-US" sz="2400" b="1" dirty="0" smtClean="0">
-                <a:latin typeface="Arial" panose="020B0604020202020204" pitchFamily="34" charset="0"/>
-                <a:cs typeface="Arial" panose="020B0604020202020204" pitchFamily="34" charset="0"/>
-              </a:rPr>
-              <a:t>Correlation between TDS and chloride concentration</a:t>
-            </a:r>
-          </a:p>
-          <a:p>
-            <a:pPr algn="just">
-              <a:lnSpc>
-                <a:spcPct val="100000"/>
-              </a:lnSpc>
-            </a:pPr>
-            <a:endParaRPr lang="en-US" sz="2400" dirty="0">
-              <a:latin typeface="Arial" panose="020B0604020202020204" pitchFamily="34" charset="0"/>
-              <a:cs typeface="Arial" panose="020B0604020202020204" pitchFamily="34" charset="0"/>
-            </a:endParaRPr>
-          </a:p>
-          <a:p>
-            <a:pPr algn="just">
-              <a:lnSpc>
-                <a:spcPct val="100000"/>
-              </a:lnSpc>
-            </a:pPr>
-            <a:r>
-              <a:rPr lang="en-US" sz="2400" dirty="0" smtClean="0">
-                <a:latin typeface="Arial" panose="020B0604020202020204" pitchFamily="34" charset="0"/>
-                <a:cs typeface="Arial" panose="020B0604020202020204" pitchFamily="34" charset="0"/>
-              </a:rPr>
-              <a:t>The strong correlation between TDS and chloride with significant level indicates that one indicator compliments other. In future, researcher can just measure one to predict the other if there is research scarcity to monitor both the water quality parameters. </a:t>
-            </a:r>
-          </a:p>
-          <a:p>
-            <a:pPr algn="just">
-              <a:lnSpc>
-                <a:spcPct val="100000"/>
-              </a:lnSpc>
-            </a:pPr>
-            <a:endParaRPr lang="en-US" sz="2400" dirty="0">
-              <a:latin typeface="Arial" panose="020B0604020202020204" pitchFamily="34" charset="0"/>
-              <a:cs typeface="Arial" panose="020B0604020202020204" pitchFamily="34" charset="0"/>
-            </a:endParaRPr>
-          </a:p>
-          <a:p>
-            <a:pPr algn="just">
-              <a:lnSpc>
-                <a:spcPct val="100000"/>
-              </a:lnSpc>
-            </a:pPr>
-            <a:endParaRPr lang="en-US" sz="2400" dirty="0">
-              <a:latin typeface="Arial" panose="020B0604020202020204" pitchFamily="34" charset="0"/>
-              <a:cs typeface="Arial" panose="020B0604020202020204" pitchFamily="34" charset="0"/>
-            </a:endParaRPr>
-          </a:p>
-          <a:p>
-            <a:pPr algn="just">
-              <a:lnSpc>
-                <a:spcPct val="100000"/>
-              </a:lnSpc>
-            </a:pPr>
-            <a:endParaRPr lang="en-US" sz="3000" b="1" dirty="0" smtClean="0">
-              <a:latin typeface="Arial" pitchFamily="34" charset="0"/>
-              <a:cs typeface="Arial" pitchFamily="34" charset="0"/>
-            </a:endParaRPr>
-          </a:p>
-          <a:p>
-            <a:endParaRPr lang="en-US" sz="3000" b="1" dirty="0" smtClean="0">
-              <a:latin typeface="Arial" pitchFamily="34" charset="0"/>
-              <a:cs typeface="Arial" pitchFamily="34" charset="0"/>
-            </a:endParaRPr>
-          </a:p>
-          <a:p>
-            <a:endParaRPr lang="en-US" sz="3000" b="1" dirty="0">
-              <a:latin typeface="Arial" pitchFamily="34" charset="0"/>
-              <a:cs typeface="Arial" pitchFamily="34" charset="0"/>
-            </a:endParaRPr>
-          </a:p>
-          <a:p>
-            <a:endParaRPr lang="en-US" sz="3000" b="1" dirty="0" smtClean="0">
-              <a:latin typeface="Arial" pitchFamily="34" charset="0"/>
-              <a:cs typeface="Arial" pitchFamily="34" charset="0"/>
-            </a:endParaRPr>
-          </a:p>
-          <a:p>
-            <a:endParaRPr lang="en-US" sz="3000" b="1" dirty="0" smtClean="0">
-              <a:latin typeface="Arial" pitchFamily="34" charset="0"/>
-              <a:cs typeface="Arial" pitchFamily="34" charset="0"/>
-            </a:endParaRPr>
-          </a:p>
-          <a:p>
-            <a:endParaRPr lang="en-US" sz="3000" b="1" dirty="0">
-              <a:latin typeface="Arial" pitchFamily="34" charset="0"/>
-              <a:cs typeface="Arial" pitchFamily="34" charset="0"/>
-            </a:endParaRPr>
-          </a:p>
-          <a:p>
-            <a:endParaRPr lang="en-US" sz="3000" b="1" dirty="0" smtClean="0">
-              <a:latin typeface="Arial" pitchFamily="34" charset="0"/>
-              <a:cs typeface="Arial" pitchFamily="34" charset="0"/>
-            </a:endParaRPr>
-          </a:p>
-          <a:p>
-            <a:endParaRPr lang="en-US" sz="3000" b="1" dirty="0">
-              <a:latin typeface="Arial" pitchFamily="34" charset="0"/>
-              <a:cs typeface="Arial" pitchFamily="34" charset="0"/>
-            </a:endParaRPr>
-          </a:p>
-          <a:p>
-            <a:endParaRPr lang="en-US" sz="3000" b="1" dirty="0" smtClean="0">
-              <a:latin typeface="Arial" pitchFamily="34" charset="0"/>
-              <a:cs typeface="Arial" pitchFamily="34" charset="0"/>
-            </a:endParaRPr>
-          </a:p>
-          <a:p>
-            <a:endParaRPr lang="en-US" sz="3000" b="1" dirty="0">
-              <a:latin typeface="Arial" pitchFamily="34" charset="0"/>
-              <a:cs typeface="Arial" pitchFamily="34" charset="0"/>
-            </a:endParaRPr>
-          </a:p>
-          <a:p>
-            <a:endParaRPr lang="en-US" sz="3000" b="1" dirty="0" smtClean="0">
-              <a:latin typeface="Arial" pitchFamily="34" charset="0"/>
-              <a:cs typeface="Arial" pitchFamily="34" charset="0"/>
-            </a:endParaRPr>
-          </a:p>
-          <a:p>
-            <a:endParaRPr lang="en-US" sz="3000" b="1" dirty="0">
-              <a:latin typeface="Arial" pitchFamily="34" charset="0"/>
-              <a:cs typeface="Arial" pitchFamily="34" charset="0"/>
-            </a:endParaRPr>
-          </a:p>
-          <a:p>
-            <a:endParaRPr lang="en-US" sz="3000" b="1" dirty="0" smtClean="0">
-              <a:latin typeface="Arial" pitchFamily="34" charset="0"/>
-              <a:cs typeface="Arial" pitchFamily="34" charset="0"/>
-            </a:endParaRPr>
-          </a:p>
-          <a:p>
-            <a:pPr algn="just"/>
+              <a:t>8: </a:t>
+            </a:r>
             <a:r>
               <a:rPr lang="en-US" sz="2400" b="1" dirty="0">
                 <a:latin typeface="Arial" panose="020B0604020202020204" pitchFamily="34" charset="0"/>
                 <a:cs typeface="Arial" panose="020B0604020202020204" pitchFamily="34" charset="0"/>
               </a:rPr>
-              <a:t>Figure </a:t>
-            </a:r>
-            <a:r>
-              <a:rPr lang="en-US" sz="2400" b="1" dirty="0" smtClean="0">
-                <a:latin typeface="Arial" panose="020B0604020202020204" pitchFamily="34" charset="0"/>
-                <a:cs typeface="Arial" panose="020B0604020202020204" pitchFamily="34" charset="0"/>
-              </a:rPr>
-              <a:t>8: </a:t>
-            </a:r>
-            <a:r>
-              <a:rPr lang="en-US" sz="2400" b="1" dirty="0">
-                <a:latin typeface="Arial" panose="020B0604020202020204" pitchFamily="34" charset="0"/>
-                <a:cs typeface="Arial" panose="020B0604020202020204" pitchFamily="34" charset="0"/>
-              </a:rPr>
               <a:t>TDS relationship with the presence of coliform</a:t>
             </a:r>
-            <a:endParaRPr lang="en-US" sz="2400" b="1" dirty="0">
-              <a:latin typeface="Arial" panose="020B0604020202020204" pitchFamily="34" charset="0"/>
-              <a:cs typeface="Arial" panose="020B0604020202020204" pitchFamily="34" charset="0"/>
-            </a:endParaRPr>
           </a:p>
           <a:p>
             <a:endParaRPr lang="en-US" sz="3000" b="1" dirty="0">
@@ -6045,14 +5952,7 @@
                 <a:latin typeface="Arial" pitchFamily="34" charset="0"/>
                 <a:cs typeface="Arial" pitchFamily="34" charset="0"/>
               </a:rPr>
-              <a:t>6</a:t>
-            </a:r>
-            <a:r>
-              <a:rPr lang="en-US" sz="3600" b="1" dirty="0" smtClean="0">
-                <a:latin typeface="Arial" pitchFamily="34" charset="0"/>
-                <a:cs typeface="Arial" pitchFamily="34" charset="0"/>
-              </a:rPr>
-              <a:t>. Conclusion</a:t>
+              <a:t>6. Conclusion</a:t>
             </a:r>
             <a:endParaRPr lang="en-US" sz="3600" b="1" dirty="0">
               <a:latin typeface="Arial" pitchFamily="34" charset="0"/>
@@ -6074,10 +5974,6 @@
               </a:rPr>
               <a:t>The salinity level is higher in winter season indicates that the groundwater is contaminated with road de-icing salt.</a:t>
             </a:r>
-            <a:endParaRPr lang="en-US" sz="2800" dirty="0" smtClean="0">
-              <a:latin typeface="Arial" pitchFamily="34" charset="0"/>
-              <a:cs typeface="Arial" pitchFamily="34" charset="0"/>
-            </a:endParaRPr>
           </a:p>
           <a:p>
             <a:pPr marL="457200" indent="-457200" algn="just">
@@ -6094,10 +5990,6 @@
               </a:rPr>
               <a:t>Higher salinity level in the water samples close to the sea and salt ponds could be due to the salt water intrusion into groundwater aquifer. </a:t>
             </a:r>
-            <a:endParaRPr lang="en-US" sz="2800" dirty="0" smtClean="0">
-              <a:latin typeface="Arial" pitchFamily="34" charset="0"/>
-              <a:cs typeface="Arial" pitchFamily="34" charset="0"/>
-            </a:endParaRPr>
           </a:p>
           <a:p>
             <a:pPr marL="457200" indent="-457200" algn="just">
@@ -6114,10 +6006,6 @@
               </a:rPr>
               <a:t>Correlation and total dissolved solids are highly correlated and the correlation coefficient is significant at 5% level. </a:t>
             </a:r>
-            <a:endParaRPr lang="en-US" sz="2800" dirty="0" smtClean="0">
-              <a:latin typeface="Arial" pitchFamily="34" charset="0"/>
-              <a:cs typeface="Arial" pitchFamily="34" charset="0"/>
-            </a:endParaRPr>
           </a:p>
           <a:p>
             <a:pPr algn="just">
@@ -6159,43 +6047,19 @@
                 <a:latin typeface="Arial" pitchFamily="34" charset="0"/>
                 <a:cs typeface="Arial" pitchFamily="34" charset="0"/>
               </a:rPr>
-              <a:t>Charlestown Town Office for well water </a:t>
+              <a:t>Charlestown Town Office for well water quality data, RIGIS for spatial layers and Coastal Resource Management Center (CRMC) for financial support are acknowledged. Dr. Rachel Schwartz, professor at URI, trained the first author to deal with big data by free and open access </a:t>
             </a:r>
             <a:r>
               <a:rPr lang="en-US" sz="2600" dirty="0" smtClean="0">
                 <a:latin typeface="Arial" pitchFamily="34" charset="0"/>
                 <a:cs typeface="Arial" pitchFamily="34" charset="0"/>
               </a:rPr>
-              <a:t>quality data</a:t>
-            </a:r>
-            <a:r>
-              <a:rPr lang="en-US" sz="2600" dirty="0" smtClean="0">
-                <a:latin typeface="Arial" pitchFamily="34" charset="0"/>
-                <a:cs typeface="Arial" pitchFamily="34" charset="0"/>
-              </a:rPr>
-              <a:t>, RIGIS for spatial layers and Coastal Resource Management Center (CRMC) for financial support are acknowledged. </a:t>
-            </a:r>
-            <a:r>
-              <a:rPr lang="en-US" sz="2600" dirty="0" smtClean="0">
-                <a:latin typeface="Arial" pitchFamily="34" charset="0"/>
-                <a:cs typeface="Arial" pitchFamily="34" charset="0"/>
-              </a:rPr>
-              <a:t>Dr. Rachel Schwartz, professor at URI, trained the first author to deal with big data by free and open access </a:t>
-            </a:r>
-            <a:r>
-              <a:rPr lang="en-US" sz="2600" dirty="0" err="1" smtClean="0">
-                <a:latin typeface="Arial" pitchFamily="34" charset="0"/>
-                <a:cs typeface="Arial" pitchFamily="34" charset="0"/>
-              </a:rPr>
-              <a:t>softwares</a:t>
-            </a:r>
-            <a:r>
-              <a:rPr lang="en-US" sz="2600" dirty="0" smtClean="0">
-                <a:latin typeface="Arial" pitchFamily="34" charset="0"/>
-                <a:cs typeface="Arial" pitchFamily="34" charset="0"/>
-              </a:rPr>
-              <a:t>. </a:t>
-            </a:r>
+              <a:t>software. </a:t>
+            </a:r>
+            <a:endParaRPr lang="en-US" sz="2600" dirty="0" smtClean="0">
+              <a:latin typeface="Arial" pitchFamily="34" charset="0"/>
+              <a:cs typeface="Arial" pitchFamily="34" charset="0"/>
+            </a:endParaRPr>
           </a:p>
           <a:p>
             <a:pPr algn="just">
@@ -6908,7 +6772,7 @@
         <p:spPr>
           <a:xfrm>
             <a:off x="20674972" y="40654069"/>
-            <a:ext cx="8670450" cy="646331"/>
+            <a:ext cx="8894166" cy="646331"/>
           </a:xfrm>
           <a:prstGeom prst="rect">
             <a:avLst/>
@@ -6922,10 +6786,10 @@
           <a:lstStyle/>
           <a:p>
             <a:r>
-              <a:rPr lang="en-US" sz="3600" dirty="0" smtClean="0"/>
+              <a:rPr lang="en-US" sz="3600" b="1" dirty="0" smtClean="0"/>
               <a:t>Photo: Well-water monitoring in Charlestown</a:t>
             </a:r>
-            <a:endParaRPr lang="en-US" sz="3600" dirty="0"/>
+            <a:endParaRPr lang="en-US" sz="3600" b="1" dirty="0"/>
           </a:p>
         </p:txBody>
       </p:sp>
